--- a/.NET Containerization with K8s, Helm, and Draft.pptx
+++ b/.NET Containerization with K8s, Helm, and Draft.pptx
@@ -5,7 +5,7 @@
     <p:sldMasterId id="2147483648" r:id="rId1"/>
   </p:sldMasterIdLst>
   <p:notesMasterIdLst>
-    <p:notesMasterId r:id="rId28"/>
+    <p:notesMasterId r:id="rId29"/>
   </p:notesMasterIdLst>
   <p:sldIdLst>
     <p:sldId id="256" r:id="rId2"/>
@@ -34,6 +34,7 @@
     <p:sldId id="329" r:id="rId25"/>
     <p:sldId id="330" r:id="rId26"/>
     <p:sldId id="331" r:id="rId27"/>
+    <p:sldId id="332" r:id="rId28"/>
   </p:sldIdLst>
   <p:sldSz cx="12192000" cy="6858000"/>
   <p:notesSz cx="6858000" cy="9144000"/>
@@ -140,10 +141,6 @@
 </p:presentation>
 </file>
 
-<file path=ppt/revisionInfo.xml><?xml version="1.0" encoding="utf-8"?>
-<p1510:revInfo xmlns:a="http://schemas.openxmlformats.org/drawingml/2006/main" xmlns:r="http://schemas.openxmlformats.org/officeDocument/2006/relationships" xmlns:p1510="http://schemas.microsoft.com/office/powerpoint/2015/10/main"/>
-</file>
-
 <file path=ppt/notesMasters/notesMaster1.xml><?xml version="1.0" encoding="utf-8"?>
 <p:notesMaster xmlns:a="http://schemas.openxmlformats.org/drawingml/2006/main" xmlns:r="http://schemas.openxmlformats.org/officeDocument/2006/relationships" xmlns:p="http://schemas.openxmlformats.org/presentationml/2006/main">
   <p:cSld>
@@ -226,7 +223,7 @@
           <a:p>
             <a:fld id="{6B84F2CF-87D4-41F4-B85C-F1EB3F2E1C16}" type="datetimeFigureOut">
               <a:rPr lang="en-US" smtClean="0"/>
-              <a:t>1/24/2018</a:t>
+              <a:t>2/10/2018</a:t>
             </a:fld>
             <a:endParaRPr lang="en-US"/>
           </a:p>
@@ -1104,7 +1101,7 @@
             <a:fld id="{5923F103-BC34-4FE4-A40E-EDDEECFDA5D0}" type="datetimeFigureOut">
               <a:rPr lang="en-US" dirty="0"/>
               <a:pPr/>
-              <a:t>1/24/2018</a:t>
+              <a:t>2/10/2018</a:t>
             </a:fld>
             <a:endParaRPr lang="en-US" dirty="0"/>
           </a:p>
@@ -2192,7 +2189,7 @@
           <a:p>
             <a:fld id="{923A1CC3-2375-41D4-9E03-427CAF2A4C1A}" type="datetimeFigureOut">
               <a:rPr lang="en-US" dirty="0"/>
-              <a:t>1/24/2018</a:t>
+              <a:t>2/10/2018</a:t>
             </a:fld>
             <a:endParaRPr lang="en-US" dirty="0"/>
           </a:p>
@@ -3172,7 +3169,7 @@
           <a:p>
             <a:fld id="{AFF16868-8199-4C2C-A5B1-63AEE139F88E}" type="datetimeFigureOut">
               <a:rPr lang="en-US" dirty="0"/>
-              <a:t>1/24/2018</a:t>
+              <a:t>2/10/2018</a:t>
             </a:fld>
             <a:endParaRPr lang="en-US" dirty="0"/>
           </a:p>
@@ -4306,7 +4303,7 @@
           <a:p>
             <a:fld id="{AAD9FF7F-6988-44CC-821B-644E70CD2F73}" type="datetimeFigureOut">
               <a:rPr lang="en-US" dirty="0"/>
-              <a:t>1/24/2018</a:t>
+              <a:t>2/10/2018</a:t>
             </a:fld>
             <a:endParaRPr lang="en-US" dirty="0"/>
           </a:p>
@@ -5339,7 +5336,7 @@
           <a:p>
             <a:fld id="{5C12C299-16B2-4475-990D-751901EACC14}" type="datetimeFigureOut">
               <a:rPr lang="en-US" dirty="0"/>
-              <a:t>1/24/2018</a:t>
+              <a:t>2/10/2018</a:t>
             </a:fld>
             <a:endParaRPr lang="en-US" dirty="0"/>
           </a:p>
@@ -5999,7 +5996,7 @@
           <a:p>
             <a:fld id="{9FE86839-B9D8-4651-8783-F325ECE74E65}" type="datetimeFigureOut">
               <a:rPr lang="en-US" dirty="0"/>
-              <a:t>1/24/2018</a:t>
+              <a:t>2/10/2018</a:t>
             </a:fld>
             <a:endParaRPr lang="en-US" dirty="0"/>
           </a:p>
@@ -6860,7 +6857,7 @@
           <a:p>
             <a:fld id="{FD484F64-32F6-45C5-931F-ADC1662401D0}" type="datetimeFigureOut">
               <a:rPr lang="en-US" dirty="0"/>
-              <a:t>1/24/2018</a:t>
+              <a:t>2/10/2018</a:t>
             </a:fld>
             <a:endParaRPr lang="en-US" dirty="0"/>
           </a:p>
@@ -7050,7 +7047,7 @@
           <a:p>
             <a:fld id="{53086D93-FCAC-47E0-A2EE-787E62CA814C}" type="datetimeFigureOut">
               <a:rPr lang="en-US" dirty="0"/>
-              <a:t>1/24/2018</a:t>
+              <a:t>2/10/2018</a:t>
             </a:fld>
             <a:endParaRPr lang="en-US" dirty="0"/>
           </a:p>
@@ -8022,7 +8019,7 @@
           <a:p>
             <a:fld id="{CDA879A6-0FD0-4734-A311-86BFCA472E6E}" type="datetimeFigureOut">
               <a:rPr lang="en-US" dirty="0"/>
-              <a:t>1/24/2018</a:t>
+              <a:t>2/10/2018</a:t>
             </a:fld>
             <a:endParaRPr lang="en-US" dirty="0"/>
           </a:p>
@@ -8233,7 +8230,7 @@
           <a:p>
             <a:fld id="{19C9CA7B-DFD4-44B5-8C60-D14B8CD1FB59}" type="datetimeFigureOut">
               <a:rPr lang="en-US" dirty="0"/>
-              <a:t>1/24/2018</a:t>
+              <a:t>2/10/2018</a:t>
             </a:fld>
             <a:endParaRPr lang="en-US" dirty="0"/>
           </a:p>
@@ -9267,7 +9264,7 @@
           <a:p>
             <a:fld id="{F34E6425-0181-43F2-84FC-787E803FD2F8}" type="datetimeFigureOut">
               <a:rPr lang="en-US" dirty="0"/>
-              <a:t>1/24/2018</a:t>
+              <a:t>2/10/2018</a:t>
             </a:fld>
             <a:endParaRPr lang="en-US" dirty="0"/>
           </a:p>
@@ -9539,7 +9536,7 @@
           <a:p>
             <a:fld id="{3BDB8791-F1B0-41E7-B7FD-A781E65C4266}" type="datetimeFigureOut">
               <a:rPr lang="en-US" dirty="0"/>
-              <a:t>1/24/2018</a:t>
+              <a:t>2/10/2018</a:t>
             </a:fld>
             <a:endParaRPr lang="en-US" dirty="0"/>
           </a:p>
@@ -9949,7 +9946,7 @@
           <a:p>
             <a:fld id="{5FDD63B2-E120-4ED8-B27B-C685F510A5FE}" type="datetimeFigureOut">
               <a:rPr lang="en-US" dirty="0"/>
-              <a:t>1/24/2018</a:t>
+              <a:t>2/10/2018</a:t>
             </a:fld>
             <a:endParaRPr lang="en-US" dirty="0"/>
           </a:p>
@@ -10076,7 +10073,7 @@
           <a:p>
             <a:fld id="{7AA18ACC-A947-437B-A130-35BD54FDF1E9}" type="datetimeFigureOut">
               <a:rPr lang="en-US" dirty="0"/>
-              <a:t>1/24/2018</a:t>
+              <a:t>2/10/2018</a:t>
             </a:fld>
             <a:endParaRPr lang="en-US" dirty="0"/>
           </a:p>
@@ -10171,7 +10168,7 @@
           <a:p>
             <a:fld id="{7C8D7E02-BCB8-4D50-A234-369438C08659}" type="datetimeFigureOut">
               <a:rPr lang="en-US" dirty="0"/>
-              <a:t>1/24/2018</a:t>
+              <a:t>2/10/2018</a:t>
             </a:fld>
             <a:endParaRPr lang="en-US" dirty="0"/>
           </a:p>
@@ -11252,7 +11249,7 @@
           <a:p>
             <a:fld id="{76E86A4C-8E40-4F87-A4F0-01A0687C5742}" type="datetimeFigureOut">
               <a:rPr lang="en-US" dirty="0"/>
-              <a:t>1/24/2018</a:t>
+              <a:t>2/10/2018</a:t>
             </a:fld>
             <a:endParaRPr lang="en-US" dirty="0"/>
           </a:p>
@@ -12360,7 +12357,7 @@
           <a:p>
             <a:fld id="{35E72C73-2D91-4E12-BA25-F0AA0C03599B}" type="datetimeFigureOut">
               <a:rPr lang="en-US" dirty="0"/>
-              <a:t>1/24/2018</a:t>
+              <a:t>2/10/2018</a:t>
             </a:fld>
             <a:endParaRPr lang="en-US" dirty="0"/>
           </a:p>
@@ -13357,7 +13354,7 @@
           <a:p>
             <a:fld id="{2BE451C3-0FF4-47C4-B829-773ADF60F88C}" type="datetimeFigureOut">
               <a:rPr lang="en-US" dirty="0"/>
-              <a:t>1/24/2018</a:t>
+              <a:t>2/10/2018</a:t>
             </a:fld>
             <a:endParaRPr lang="en-US" dirty="0"/>
           </a:p>
@@ -16980,6 +16977,112 @@
     <p:extLst>
       <p:ext uri="{BB962C8B-B14F-4D97-AF65-F5344CB8AC3E}">
         <p14:creationId xmlns:p14="http://schemas.microsoft.com/office/powerpoint/2010/main" val="3003175272"/>
+      </p:ext>
+    </p:extLst>
+  </p:cSld>
+  <p:clrMapOvr>
+    <a:masterClrMapping/>
+  </p:clrMapOvr>
+</p:sld>
+</file>
+
+<file path=ppt/slides/slide27.xml><?xml version="1.0" encoding="utf-8"?>
+<p:sld xmlns:a="http://schemas.openxmlformats.org/drawingml/2006/main" xmlns:r="http://schemas.openxmlformats.org/officeDocument/2006/relationships" xmlns:p="http://schemas.openxmlformats.org/presentationml/2006/main">
+  <p:cSld>
+    <p:spTree>
+      <p:nvGrpSpPr>
+        <p:cNvPr id="1" name=""/>
+        <p:cNvGrpSpPr/>
+        <p:nvPr/>
+      </p:nvGrpSpPr>
+      <p:grpSpPr>
+        <a:xfrm>
+          <a:off x="0" y="0"/>
+          <a:ext cx="0" cy="0"/>
+          <a:chOff x="0" y="0"/>
+          <a:chExt cx="0" cy="0"/>
+        </a:xfrm>
+      </p:grpSpPr>
+      <p:sp>
+        <p:nvSpPr>
+          <p:cNvPr id="2" name="Title 1">
+            <a:extLst>
+              <a:ext uri="{FF2B5EF4-FFF2-40B4-BE49-F238E27FC236}">
+                <a16:creationId xmlns:a16="http://schemas.microsoft.com/office/drawing/2014/main" id="{BEA7FFC7-4635-47B6-A267-C1FF8FCE8449}"/>
+              </a:ext>
+            </a:extLst>
+          </p:cNvPr>
+          <p:cNvSpPr>
+            <a:spLocks noGrp="1"/>
+          </p:cNvSpPr>
+          <p:nvPr>
+            <p:ph type="title"/>
+          </p:nvPr>
+        </p:nvSpPr>
+        <p:spPr/>
+        <p:txBody>
+          <a:bodyPr/>
+          <a:lstStyle/>
+          <a:p>
+            <a:r>
+              <a:rPr lang="en-US" dirty="0"/>
+              <a:t>Demo Time</a:t>
+            </a:r>
+          </a:p>
+        </p:txBody>
+      </p:sp>
+      <p:sp>
+        <p:nvSpPr>
+          <p:cNvPr id="3" name="Content Placeholder 2">
+            <a:extLst>
+              <a:ext uri="{FF2B5EF4-FFF2-40B4-BE49-F238E27FC236}">
+                <a16:creationId xmlns:a16="http://schemas.microsoft.com/office/drawing/2014/main" id="{A04E0CED-6E70-446B-A32F-E06213DECA9D}"/>
+              </a:ext>
+            </a:extLst>
+          </p:cNvPr>
+          <p:cNvSpPr>
+            <a:spLocks noGrp="1"/>
+          </p:cNvSpPr>
+          <p:nvPr>
+            <p:ph idx="1"/>
+          </p:nvPr>
+        </p:nvSpPr>
+        <p:spPr>
+          <a:xfrm>
+            <a:off x="1154954" y="2603500"/>
+            <a:ext cx="10275046" cy="3416300"/>
+          </a:xfrm>
+        </p:spPr>
+        <p:txBody>
+          <a:bodyPr/>
+          <a:lstStyle/>
+          <a:p>
+            <a:r>
+              <a:rPr lang="en-US" dirty="0">
+                <a:hlinkClick r:id="rId2"/>
+              </a:rPr>
+              <a:t>https://morehuman.software</a:t>
+            </a:r>
+            <a:endParaRPr lang="en-US" dirty="0"/>
+          </a:p>
+          <a:p>
+            <a:r>
+              <a:rPr lang="en-US" dirty="0">
+                <a:hlinkClick r:id="rId3"/>
+              </a:rPr>
+              <a:t>https://github.com/JasonvanBrackel/dotnet-containerization-with-k8s-helm-draft</a:t>
+            </a:r>
+            <a:endParaRPr lang="en-US" dirty="0"/>
+          </a:p>
+          <a:p>
+            <a:endParaRPr lang="en-US" dirty="0"/>
+          </a:p>
+        </p:txBody>
+      </p:sp>
+    </p:spTree>
+    <p:extLst>
+      <p:ext uri="{BB962C8B-B14F-4D97-AF65-F5344CB8AC3E}">
+        <p14:creationId xmlns:p14="http://schemas.microsoft.com/office/powerpoint/2010/main" val="1488586084"/>
       </p:ext>
     </p:extLst>
   </p:cSld>
